--- a/Documentation/Defense/Presentation.pptx
+++ b/Documentation/Defense/Presentation.pptx
@@ -23,7 +23,9 @@
     <p:sldId id="273" r:id="rId17"/>
     <p:sldId id="274" r:id="rId18"/>
     <p:sldId id="275" r:id="rId19"/>
-    <p:sldId id="271" r:id="rId20"/>
+    <p:sldId id="276" r:id="rId20"/>
+    <p:sldId id="277" r:id="rId21"/>
+    <p:sldId id="271" r:id="rId22"/>
   </p:sldIdLst>
   <p:sldSz cx="9144000" cy="6858000" type="screen4x3"/>
   <p:notesSz cx="9144000" cy="6858000"/>
@@ -331,7 +333,7 @@
             </a:pPr>
             <a:fld id="{6E62D75B-C3F4-4E3C-ADB7-33E3808D6CE4}" type="datetimeFigureOut">
               <a:rPr lang="ru-RU"/>
-              <a:t>01.06.2024</a:t>
+              <a:t>09.06.2024</a:t>
             </a:fld>
             <a:endParaRPr lang="ru-RU"/>
           </a:p>
@@ -522,7 +524,7 @@
             </a:pPr>
             <a:fld id="{6E62D75B-C3F4-4E3C-ADB7-33E3808D6CE4}" type="datetimeFigureOut">
               <a:rPr lang="ru-RU"/>
-              <a:t>01.06.2024</a:t>
+              <a:t>09.06.2024</a:t>
             </a:fld>
             <a:endParaRPr lang="ru-RU"/>
           </a:p>
@@ -723,7 +725,7 @@
             </a:pPr>
             <a:fld id="{6E62D75B-C3F4-4E3C-ADB7-33E3808D6CE4}" type="datetimeFigureOut">
               <a:rPr lang="ru-RU"/>
-              <a:t>01.06.2024</a:t>
+              <a:t>09.06.2024</a:t>
             </a:fld>
             <a:endParaRPr lang="ru-RU"/>
           </a:p>
@@ -914,7 +916,7 @@
             </a:pPr>
             <a:fld id="{6E62D75B-C3F4-4E3C-ADB7-33E3808D6CE4}" type="datetimeFigureOut">
               <a:rPr lang="ru-RU"/>
-              <a:t>01.06.2024</a:t>
+              <a:t>09.06.2024</a:t>
             </a:fld>
             <a:endParaRPr lang="ru-RU"/>
           </a:p>
@@ -1170,7 +1172,7 @@
             </a:pPr>
             <a:fld id="{6E62D75B-C3F4-4E3C-ADB7-33E3808D6CE4}" type="datetimeFigureOut">
               <a:rPr lang="ru-RU"/>
-              <a:t>01.06.2024</a:t>
+              <a:t>09.06.2024</a:t>
             </a:fld>
             <a:endParaRPr lang="ru-RU"/>
           </a:p>
@@ -1493,7 +1495,7 @@
             </a:pPr>
             <a:fld id="{6E62D75B-C3F4-4E3C-ADB7-33E3808D6CE4}" type="datetimeFigureOut">
               <a:rPr lang="ru-RU"/>
-              <a:t>01.06.2024</a:t>
+              <a:t>09.06.2024</a:t>
             </a:fld>
             <a:endParaRPr lang="ru-RU"/>
           </a:p>
@@ -1956,7 +1958,7 @@
             </a:pPr>
             <a:fld id="{6E62D75B-C3F4-4E3C-ADB7-33E3808D6CE4}" type="datetimeFigureOut">
               <a:rPr lang="ru-RU"/>
-              <a:t>01.06.2024</a:t>
+              <a:t>09.06.2024</a:t>
             </a:fld>
             <a:endParaRPr lang="ru-RU"/>
           </a:p>
@@ -2081,7 +2083,7 @@
             </a:pPr>
             <a:fld id="{6E62D75B-C3F4-4E3C-ADB7-33E3808D6CE4}" type="datetimeFigureOut">
               <a:rPr lang="ru-RU"/>
-              <a:t>01.06.2024</a:t>
+              <a:t>09.06.2024</a:t>
             </a:fld>
             <a:endParaRPr lang="ru-RU"/>
           </a:p>
@@ -2180,7 +2182,7 @@
             </a:pPr>
             <a:fld id="{6E62D75B-C3F4-4E3C-ADB7-33E3808D6CE4}" type="datetimeFigureOut">
               <a:rPr lang="ru-RU"/>
-              <a:t>01.06.2024</a:t>
+              <a:t>09.06.2024</a:t>
             </a:fld>
             <a:endParaRPr lang="ru-RU"/>
           </a:p>
@@ -2481,7 +2483,7 @@
             </a:pPr>
             <a:fld id="{6E62D75B-C3F4-4E3C-ADB7-33E3808D6CE4}" type="datetimeFigureOut">
               <a:rPr lang="ru-RU"/>
-              <a:t>01.06.2024</a:t>
+              <a:t>09.06.2024</a:t>
             </a:fld>
             <a:endParaRPr lang="ru-RU"/>
           </a:p>
@@ -2747,7 +2749,7 @@
             </a:pPr>
             <a:fld id="{6E62D75B-C3F4-4E3C-ADB7-33E3808D6CE4}" type="datetimeFigureOut">
               <a:rPr lang="ru-RU"/>
-              <a:t>01.06.2024</a:t>
+              <a:t>09.06.2024</a:t>
             </a:fld>
             <a:endParaRPr lang="ru-RU"/>
           </a:p>
@@ -2981,7 +2983,7 @@
             </a:pPr>
             <a:fld id="{6E62D75B-C3F4-4E3C-ADB7-33E3808D6CE4}" type="datetimeFigureOut">
               <a:rPr lang="ru-RU"/>
-              <a:t>01.06.2024</a:t>
+              <a:t>09.06.2024</a:t>
             </a:fld>
             <a:endParaRPr lang="ru-RU"/>
           </a:p>
@@ -3900,7 +3902,7 @@
                         <a:defRPr/>
                       </a:pPr>
                       <a:r>
-                        <a:rPr lang="en-US" sz="1800" b="1">
+                        <a:rPr lang="en-US" sz="1800" b="1" dirty="0" err="1">
                           <a:solidFill>
                             <a:schemeClr val="lt1"/>
                           </a:solidFill>
@@ -3908,9 +3910,20 @@
                           <a:ea typeface="+mn-ea"/>
                           <a:cs typeface="+mn-cs"/>
                         </a:rPr>
-                        <a:t>Unlim Tariffs</a:t>
+                        <a:t>Unlim</a:t>
                       </a:r>
-                      <a:endParaRPr lang="ru-RU"/>
+                      <a:r>
+                        <a:rPr lang="en-US" sz="1800" b="1" dirty="0">
+                          <a:solidFill>
+                            <a:schemeClr val="lt1"/>
+                          </a:solidFill>
+                          <a:latin typeface="+mn-lt"/>
+                          <a:ea typeface="+mn-ea"/>
+                          <a:cs typeface="+mn-cs"/>
+                        </a:rPr>
+                        <a:t> Tariffs</a:t>
+                      </a:r>
+                      <a:endParaRPr lang="ru-RU" dirty="0"/>
                     </a:p>
                   </a:txBody>
                   <a:tcPr/>
@@ -5165,14 +5178,14 @@
                         <a:defRPr/>
                       </a:pPr>
                       <a:r>
-                        <a:rPr lang="en-US" sz="1400">
+                        <a:rPr lang="en-US" sz="1400" dirty="0">
                           <a:latin typeface="Times New Roman"/>
                           <a:ea typeface="Times New Roman"/>
                           <a:cs typeface="Times New Roman"/>
                         </a:rPr>
                         <a:t>+</a:t>
                       </a:r>
-                      <a:endParaRPr lang="ru-RU" sz="1200">
+                      <a:endParaRPr lang="ru-RU" sz="1200" dirty="0">
                         <a:latin typeface="Times New Roman"/>
                         <a:ea typeface="Times New Roman"/>
                         <a:cs typeface="Times New Roman"/>
@@ -6464,10 +6477,10 @@
       </p:sp>
       <p:pic>
         <p:nvPicPr>
-          <p:cNvPr id="5" name="Рисунок 4">
+          <p:cNvPr id="6" name="Рисунок 5">
             <a:extLst>
               <a:ext uri="{FF2B5EF4-FFF2-40B4-BE49-F238E27FC236}">
-                <a16:creationId xmlns:a16="http://schemas.microsoft.com/office/drawing/2014/main" id="{1D4CE122-44FF-53B7-225E-BD0DB7BB334B}"/>
+                <a16:creationId xmlns:a16="http://schemas.microsoft.com/office/drawing/2014/main" id="{F245B73C-27DA-AA86-BBC5-EA1DCB903049}"/>
               </a:ext>
             </a:extLst>
           </p:cNvPr>
@@ -6484,8 +6497,8 @@
         </p:blipFill>
         <p:spPr>
           <a:xfrm>
-            <a:off x="1061864" y="1745530"/>
-            <a:ext cx="7020272" cy="3366940"/>
+            <a:off x="302472" y="1628800"/>
+            <a:ext cx="8539056" cy="2944936"/>
           </a:xfrm>
           <a:prstGeom prst="rect">
             <a:avLst/>
@@ -6529,13 +6542,49 @@
             <a:spLocks noGrp="1"/>
           </p:cNvSpPr>
           <p:nvPr>
-            <p:ph type="title"/>
+            <p:ph type="ctrTitle"/>
           </p:nvPr>
         </p:nvSpPr>
         <p:spPr bwMode="auto">
           <a:xfrm>
-            <a:off x="457200" y="2497460"/>
-            <a:ext cx="8229600" cy="1143000"/>
+            <a:off x="467544" y="188640"/>
+            <a:ext cx="8136904" cy="648071"/>
+          </a:xfrm>
+        </p:spPr>
+        <p:txBody>
+          <a:bodyPr>
+            <a:normAutofit fontScale="90000"/>
+          </a:bodyPr>
+          <a:lstStyle/>
+          <a:p>
+            <a:pPr>
+              <a:defRPr/>
+            </a:pPr>
+            <a:r>
+              <a:rPr lang="ru-RU" dirty="0">
+                <a:latin typeface="Times New Roman"/>
+                <a:cs typeface="Times New Roman"/>
+              </a:rPr>
+              <a:t>Результаты тестирования</a:t>
+            </a:r>
+            <a:endParaRPr dirty="0"/>
+          </a:p>
+        </p:txBody>
+      </p:sp>
+      <p:sp>
+        <p:nvSpPr>
+          <p:cNvPr id="3" name="Подзаголовок 2"/>
+          <p:cNvSpPr>
+            <a:spLocks noGrp="1"/>
+          </p:cNvSpPr>
+          <p:nvPr>
+            <p:ph type="subTitle" idx="1"/>
+          </p:nvPr>
+        </p:nvSpPr>
+        <p:spPr bwMode="auto">
+          <a:xfrm>
+            <a:off x="498190" y="5589240"/>
+            <a:ext cx="8106258" cy="648072"/>
           </a:xfrm>
         </p:spPr>
         <p:txBody>
@@ -6548,51 +6597,135 @@
               <a:defRPr/>
             </a:pPr>
             <a:r>
-              <a:rPr lang="ru-RU" sz="3600" dirty="0">
-                <a:latin typeface="Times New Roman"/>
-                <a:cs typeface="Times New Roman"/>
-              </a:rPr>
-              <a:t>Спасибо за внимание!</a:t>
+              <a:rPr lang="ru-RU" sz="2400" dirty="0">
+                <a:solidFill>
+                  <a:schemeClr val="tx1"/>
+                </a:solidFill>
+                <a:latin typeface="Times New Roman"/>
+                <a:cs typeface="Times New Roman"/>
+              </a:rPr>
+              <a:t>Диаграммы 1-3.</a:t>
+            </a:r>
+            <a:r>
+              <a:rPr lang="en-US" sz="2400" dirty="0">
+                <a:solidFill>
+                  <a:schemeClr val="tx1"/>
+                </a:solidFill>
+                <a:latin typeface="Times New Roman"/>
+                <a:cs typeface="Times New Roman"/>
+              </a:rPr>
+              <a:t> </a:t>
+            </a:r>
+            <a:r>
+              <a:rPr lang="ru-RU" sz="2400" dirty="0">
+                <a:solidFill>
+                  <a:schemeClr val="tx1"/>
+                </a:solidFill>
+                <a:latin typeface="Times New Roman"/>
+                <a:cs typeface="Times New Roman"/>
+              </a:rPr>
+              <a:t>результаты юзабилити тестирования</a:t>
             </a:r>
             <a:endParaRPr dirty="0"/>
           </a:p>
         </p:txBody>
       </p:sp>
-      <p:sp>
-        <p:nvSpPr>
-          <p:cNvPr id="3" name="Объект 2"/>
-          <p:cNvSpPr>
-            <a:spLocks noGrp="1"/>
-          </p:cNvSpPr>
-          <p:nvPr>
-            <p:ph idx="1"/>
-          </p:nvPr>
-        </p:nvSpPr>
-        <p:spPr bwMode="auto">
+      <p:pic>
+        <p:nvPicPr>
+          <p:cNvPr id="5" name="Рисунок 4">
+            <a:extLst>
+              <a:ext uri="{FF2B5EF4-FFF2-40B4-BE49-F238E27FC236}">
+                <a16:creationId xmlns:a16="http://schemas.microsoft.com/office/drawing/2014/main" id="{5A391110-CBC3-3D1C-A774-D4BB2365B03C}"/>
+              </a:ext>
+            </a:extLst>
+          </p:cNvPr>
+          <p:cNvPicPr>
+            <a:picLocks noChangeAspect="1"/>
+          </p:cNvPicPr>
+          <p:nvPr/>
+        </p:nvPicPr>
+        <p:blipFill>
+          <a:blip r:embed="rId2"/>
+          <a:stretch>
+            <a:fillRect/>
+          </a:stretch>
+        </p:blipFill>
+        <p:spPr>
           <a:xfrm>
-            <a:off x="457200" y="3789040"/>
-            <a:ext cx="8229600" cy="2337123"/>
+            <a:off x="435947" y="1268760"/>
+            <a:ext cx="3787878" cy="1890514"/>
           </a:xfrm>
+          <a:prstGeom prst="rect">
+            <a:avLst/>
+          </a:prstGeom>
         </p:spPr>
-        <p:txBody>
-          <a:bodyPr anchor="ctr">
-            <a:normAutofit/>
-          </a:bodyPr>
-          <a:lstStyle/>
-          <a:p>
-            <a:pPr marL="0" indent="0" algn="ctr">
-              <a:buNone/>
-              <a:defRPr/>
-            </a:pPr>
-            <a:r>
-              <a:rPr lang="en-US" dirty="0"/>
-              <a:t>  </a:t>
-            </a:r>
-            <a:endParaRPr dirty="0"/>
-          </a:p>
-        </p:txBody>
-      </p:sp>
+      </p:pic>
+      <p:pic>
+        <p:nvPicPr>
+          <p:cNvPr id="8" name="Рисунок 7">
+            <a:extLst>
+              <a:ext uri="{FF2B5EF4-FFF2-40B4-BE49-F238E27FC236}">
+                <a16:creationId xmlns:a16="http://schemas.microsoft.com/office/drawing/2014/main" id="{A94AF6FB-59CE-2EEA-B108-DFE24194B44A}"/>
+              </a:ext>
+            </a:extLst>
+          </p:cNvPr>
+          <p:cNvPicPr>
+            <a:picLocks noChangeAspect="1"/>
+          </p:cNvPicPr>
+          <p:nvPr/>
+        </p:nvPicPr>
+        <p:blipFill>
+          <a:blip r:embed="rId3"/>
+          <a:stretch>
+            <a:fillRect/>
+          </a:stretch>
+        </p:blipFill>
+        <p:spPr>
+          <a:xfrm>
+            <a:off x="4535996" y="1280330"/>
+            <a:ext cx="3980259" cy="1867374"/>
+          </a:xfrm>
+          <a:prstGeom prst="rect">
+            <a:avLst/>
+          </a:prstGeom>
+        </p:spPr>
+      </p:pic>
+      <p:pic>
+        <p:nvPicPr>
+          <p:cNvPr id="10" name="Рисунок 9">
+            <a:extLst>
+              <a:ext uri="{FF2B5EF4-FFF2-40B4-BE49-F238E27FC236}">
+                <a16:creationId xmlns:a16="http://schemas.microsoft.com/office/drawing/2014/main" id="{E0DAD063-D351-0F67-FC8E-379658B0BB60}"/>
+              </a:ext>
+            </a:extLst>
+          </p:cNvPr>
+          <p:cNvPicPr>
+            <a:picLocks noChangeAspect="1"/>
+          </p:cNvPicPr>
+          <p:nvPr/>
+        </p:nvPicPr>
+        <p:blipFill>
+          <a:blip r:embed="rId4"/>
+          <a:stretch>
+            <a:fillRect/>
+          </a:stretch>
+        </p:blipFill>
+        <p:spPr>
+          <a:xfrm>
+            <a:off x="2162245" y="3278247"/>
+            <a:ext cx="4123159" cy="2013821"/>
+          </a:xfrm>
+          <a:prstGeom prst="rect">
+            <a:avLst/>
+          </a:prstGeom>
+        </p:spPr>
+      </p:pic>
     </p:spTree>
+    <p:extLst>
+      <p:ext uri="{BB962C8B-B14F-4D97-AF65-F5344CB8AC3E}">
+        <p14:creationId xmlns:p14="http://schemas.microsoft.com/office/powerpoint/2010/main" val="2226713770"/>
+      </p:ext>
+    </p:extLst>
   </p:cSld>
   <p:clrMapOvr>
     <a:masterClrMapping/>
@@ -6818,6 +6951,256 @@
               </a:rPr>
               <a:t>отсутствием качественных существующих решений</a:t>
             </a:r>
+          </a:p>
+        </p:txBody>
+      </p:sp>
+    </p:spTree>
+  </p:cSld>
+  <p:clrMapOvr>
+    <a:masterClrMapping/>
+  </p:clrMapOvr>
+</p:sld>
+</file>
+
+<file path=ppt/slides/slide20.xml><?xml version="1.0" encoding="utf-8"?>
+<p:sld xmlns:a="http://schemas.openxmlformats.org/drawingml/2006/main" xmlns:r="http://schemas.openxmlformats.org/officeDocument/2006/relationships" xmlns:p="http://schemas.openxmlformats.org/presentationml/2006/main" showMasterPhAnim="0">
+  <p:cSld>
+    <p:spTree>
+      <p:nvGrpSpPr>
+        <p:cNvPr id="1" name=""/>
+        <p:cNvGrpSpPr/>
+        <p:nvPr/>
+      </p:nvGrpSpPr>
+      <p:grpSpPr bwMode="auto">
+        <a:xfrm>
+          <a:off x="0" y="0"/>
+          <a:ext cx="0" cy="0"/>
+          <a:chOff x="0" y="0"/>
+          <a:chExt cx="0" cy="0"/>
+        </a:xfrm>
+      </p:grpSpPr>
+      <p:sp>
+        <p:nvSpPr>
+          <p:cNvPr id="2" name="Заголовок 1"/>
+          <p:cNvSpPr>
+            <a:spLocks noGrp="1"/>
+          </p:cNvSpPr>
+          <p:nvPr>
+            <p:ph type="ctrTitle"/>
+          </p:nvPr>
+        </p:nvSpPr>
+        <p:spPr bwMode="auto">
+          <a:xfrm>
+            <a:off x="467544" y="188640"/>
+            <a:ext cx="8136904" cy="648071"/>
+          </a:xfrm>
+        </p:spPr>
+        <p:txBody>
+          <a:bodyPr>
+            <a:normAutofit fontScale="90000"/>
+          </a:bodyPr>
+          <a:lstStyle/>
+          <a:p>
+            <a:pPr>
+              <a:defRPr/>
+            </a:pPr>
+            <a:r>
+              <a:rPr lang="ru-RU" dirty="0">
+                <a:latin typeface="Times New Roman"/>
+                <a:cs typeface="Times New Roman"/>
+              </a:rPr>
+              <a:t>Результаты тестирования</a:t>
+            </a:r>
+            <a:endParaRPr dirty="0"/>
+          </a:p>
+        </p:txBody>
+      </p:sp>
+      <p:sp>
+        <p:nvSpPr>
+          <p:cNvPr id="3" name="Подзаголовок 2"/>
+          <p:cNvSpPr>
+            <a:spLocks noGrp="1"/>
+          </p:cNvSpPr>
+          <p:nvPr>
+            <p:ph type="subTitle" idx="1"/>
+          </p:nvPr>
+        </p:nvSpPr>
+        <p:spPr bwMode="auto">
+          <a:xfrm>
+            <a:off x="498190" y="5589240"/>
+            <a:ext cx="8106258" cy="648072"/>
+          </a:xfrm>
+        </p:spPr>
+        <p:txBody>
+          <a:bodyPr>
+            <a:normAutofit fontScale="92500" lnSpcReduction="20000"/>
+          </a:bodyPr>
+          <a:lstStyle/>
+          <a:p>
+            <a:pPr>
+              <a:defRPr/>
+            </a:pPr>
+            <a:r>
+              <a:rPr lang="ru-RU" sz="2400" dirty="0">
+                <a:solidFill>
+                  <a:schemeClr val="tx1"/>
+                </a:solidFill>
+                <a:latin typeface="Times New Roman"/>
+                <a:cs typeface="Times New Roman"/>
+              </a:rPr>
+              <a:t>Диаграмма 4.</a:t>
+            </a:r>
+            <a:r>
+              <a:rPr lang="en-US" sz="2400" dirty="0">
+                <a:solidFill>
+                  <a:schemeClr val="tx1"/>
+                </a:solidFill>
+                <a:latin typeface="Times New Roman"/>
+                <a:cs typeface="Times New Roman"/>
+              </a:rPr>
+              <a:t> </a:t>
+            </a:r>
+            <a:r>
+              <a:rPr lang="ru-RU" sz="2400" dirty="0">
+                <a:solidFill>
+                  <a:schemeClr val="tx1"/>
+                </a:solidFill>
+                <a:latin typeface="Times New Roman"/>
+                <a:cs typeface="Times New Roman"/>
+              </a:rPr>
+              <a:t>результаты измерения среднего времени нахождения на сайте</a:t>
+            </a:r>
+            <a:endParaRPr dirty="0"/>
+          </a:p>
+        </p:txBody>
+      </p:sp>
+      <p:pic>
+        <p:nvPicPr>
+          <p:cNvPr id="6" name="Рисунок 5">
+            <a:extLst>
+              <a:ext uri="{FF2B5EF4-FFF2-40B4-BE49-F238E27FC236}">
+                <a16:creationId xmlns:a16="http://schemas.microsoft.com/office/drawing/2014/main" id="{2FAA6BAE-2A0E-03A0-1F66-52422F101CA6}"/>
+              </a:ext>
+            </a:extLst>
+          </p:cNvPr>
+          <p:cNvPicPr>
+            <a:picLocks noChangeAspect="1"/>
+          </p:cNvPicPr>
+          <p:nvPr/>
+        </p:nvPicPr>
+        <p:blipFill>
+          <a:blip r:embed="rId2"/>
+          <a:stretch>
+            <a:fillRect/>
+          </a:stretch>
+        </p:blipFill>
+        <p:spPr>
+          <a:xfrm>
+            <a:off x="1128712" y="1743075"/>
+            <a:ext cx="6886575" cy="3371850"/>
+          </a:xfrm>
+          <a:prstGeom prst="rect">
+            <a:avLst/>
+          </a:prstGeom>
+        </p:spPr>
+      </p:pic>
+    </p:spTree>
+    <p:extLst>
+      <p:ext uri="{BB962C8B-B14F-4D97-AF65-F5344CB8AC3E}">
+        <p14:creationId xmlns:p14="http://schemas.microsoft.com/office/powerpoint/2010/main" val="3294310834"/>
+      </p:ext>
+    </p:extLst>
+  </p:cSld>
+  <p:clrMapOvr>
+    <a:masterClrMapping/>
+  </p:clrMapOvr>
+</p:sld>
+</file>
+
+<file path=ppt/slides/slide21.xml><?xml version="1.0" encoding="utf-8"?>
+<p:sld xmlns:a="http://schemas.openxmlformats.org/drawingml/2006/main" xmlns:r="http://schemas.openxmlformats.org/officeDocument/2006/relationships" xmlns:p="http://schemas.openxmlformats.org/presentationml/2006/main" showMasterPhAnim="0">
+  <p:cSld>
+    <p:spTree>
+      <p:nvGrpSpPr>
+        <p:cNvPr id="1" name=""/>
+        <p:cNvGrpSpPr/>
+        <p:nvPr/>
+      </p:nvGrpSpPr>
+      <p:grpSpPr bwMode="auto">
+        <a:xfrm>
+          <a:off x="0" y="0"/>
+          <a:ext cx="0" cy="0"/>
+          <a:chOff x="0" y="0"/>
+          <a:chExt cx="0" cy="0"/>
+        </a:xfrm>
+      </p:grpSpPr>
+      <p:sp>
+        <p:nvSpPr>
+          <p:cNvPr id="2" name="Заголовок 1"/>
+          <p:cNvSpPr>
+            <a:spLocks noGrp="1"/>
+          </p:cNvSpPr>
+          <p:nvPr>
+            <p:ph type="title"/>
+          </p:nvPr>
+        </p:nvSpPr>
+        <p:spPr bwMode="auto">
+          <a:xfrm>
+            <a:off x="457200" y="2497460"/>
+            <a:ext cx="8229600" cy="1143000"/>
+          </a:xfrm>
+        </p:spPr>
+        <p:txBody>
+          <a:bodyPr>
+            <a:normAutofit/>
+          </a:bodyPr>
+          <a:lstStyle/>
+          <a:p>
+            <a:pPr>
+              <a:defRPr/>
+            </a:pPr>
+            <a:r>
+              <a:rPr lang="ru-RU" sz="3600" dirty="0">
+                <a:latin typeface="Times New Roman"/>
+                <a:cs typeface="Times New Roman"/>
+              </a:rPr>
+              <a:t>Спасибо за внимание!</a:t>
+            </a:r>
+            <a:endParaRPr dirty="0"/>
+          </a:p>
+        </p:txBody>
+      </p:sp>
+      <p:sp>
+        <p:nvSpPr>
+          <p:cNvPr id="3" name="Объект 2"/>
+          <p:cNvSpPr>
+            <a:spLocks noGrp="1"/>
+          </p:cNvSpPr>
+          <p:nvPr>
+            <p:ph idx="1"/>
+          </p:nvPr>
+        </p:nvSpPr>
+        <p:spPr bwMode="auto">
+          <a:xfrm>
+            <a:off x="457200" y="3789040"/>
+            <a:ext cx="8229600" cy="2337123"/>
+          </a:xfrm>
+        </p:spPr>
+        <p:txBody>
+          <a:bodyPr anchor="ctr">
+            <a:normAutofit/>
+          </a:bodyPr>
+          <a:lstStyle/>
+          <a:p>
+            <a:pPr marL="0" indent="0" algn="ctr">
+              <a:buNone/>
+              <a:defRPr/>
+            </a:pPr>
+            <a:r>
+              <a:rPr lang="en-US" dirty="0"/>
+              <a:t>  </a:t>
+            </a:r>
+            <a:endParaRPr dirty="0"/>
           </a:p>
         </p:txBody>
       </p:sp>
